--- a/システム構成図.pptx
+++ b/システム構成図.pptx
@@ -104,6 +104,11 @@
       </a:defRPr>
     </a:lvl9pPr>
   </p:defaultTextStyle>
+  <p:extLst>
+    <p:ext uri="{EFAFB233-063F-42B5-8137-9DF3F51BA10A}">
+      <p15:sldGuideLst xmlns:p15="http://schemas.microsoft.com/office/powerpoint/2012/main"/>
+    </p:ext>
+  </p:extLst>
 </p:presentation>
 </file>
 
@@ -238,7 +243,7 @@
           <a:p>
             <a:fld id="{1BDC6FBE-EBE0-4EBD-9C98-5CBFBE1BCE03}" type="datetimeFigureOut">
               <a:rPr kumimoji="1" lang="ja-JP" altLang="en-US" smtClean="0"/>
-              <a:t>2021/6/19</a:t>
+              <a:t>2022/3/27</a:t>
             </a:fld>
             <a:endParaRPr kumimoji="1" lang="ja-JP" altLang="en-US"/>
           </a:p>
@@ -440,7 +445,7 @@
           <a:p>
             <a:fld id="{1BDC6FBE-EBE0-4EBD-9C98-5CBFBE1BCE03}" type="datetimeFigureOut">
               <a:rPr kumimoji="1" lang="ja-JP" altLang="en-US" smtClean="0"/>
-              <a:t>2021/6/19</a:t>
+              <a:t>2022/3/27</a:t>
             </a:fld>
             <a:endParaRPr kumimoji="1" lang="ja-JP" altLang="en-US"/>
           </a:p>
@@ -652,7 +657,7 @@
           <a:p>
             <a:fld id="{1BDC6FBE-EBE0-4EBD-9C98-5CBFBE1BCE03}" type="datetimeFigureOut">
               <a:rPr kumimoji="1" lang="ja-JP" altLang="en-US" smtClean="0"/>
-              <a:t>2021/6/19</a:t>
+              <a:t>2022/3/27</a:t>
             </a:fld>
             <a:endParaRPr kumimoji="1" lang="ja-JP" altLang="en-US"/>
           </a:p>
@@ -854,7 +859,7 @@
           <a:p>
             <a:fld id="{1BDC6FBE-EBE0-4EBD-9C98-5CBFBE1BCE03}" type="datetimeFigureOut">
               <a:rPr kumimoji="1" lang="ja-JP" altLang="en-US" smtClean="0"/>
-              <a:t>2021/6/19</a:t>
+              <a:t>2022/3/27</a:t>
             </a:fld>
             <a:endParaRPr kumimoji="1" lang="ja-JP" altLang="en-US"/>
           </a:p>
@@ -1100,7 +1105,7 @@
           <a:p>
             <a:fld id="{1BDC6FBE-EBE0-4EBD-9C98-5CBFBE1BCE03}" type="datetimeFigureOut">
               <a:rPr kumimoji="1" lang="ja-JP" altLang="en-US" smtClean="0"/>
-              <a:t>2021/6/19</a:t>
+              <a:t>2022/3/27</a:t>
             </a:fld>
             <a:endParaRPr kumimoji="1" lang="ja-JP" altLang="en-US"/>
           </a:p>
@@ -1396,7 +1401,7 @@
           <a:p>
             <a:fld id="{1BDC6FBE-EBE0-4EBD-9C98-5CBFBE1BCE03}" type="datetimeFigureOut">
               <a:rPr kumimoji="1" lang="ja-JP" altLang="en-US" smtClean="0"/>
-              <a:t>2021/6/19</a:t>
+              <a:t>2022/3/27</a:t>
             </a:fld>
             <a:endParaRPr kumimoji="1" lang="ja-JP" altLang="en-US"/>
           </a:p>
@@ -1827,7 +1832,7 @@
           <a:p>
             <a:fld id="{1BDC6FBE-EBE0-4EBD-9C98-5CBFBE1BCE03}" type="datetimeFigureOut">
               <a:rPr kumimoji="1" lang="ja-JP" altLang="en-US" smtClean="0"/>
-              <a:t>2021/6/19</a:t>
+              <a:t>2022/3/27</a:t>
             </a:fld>
             <a:endParaRPr kumimoji="1" lang="ja-JP" altLang="en-US"/>
           </a:p>
@@ -1945,7 +1950,7 @@
           <a:p>
             <a:fld id="{1BDC6FBE-EBE0-4EBD-9C98-5CBFBE1BCE03}" type="datetimeFigureOut">
               <a:rPr kumimoji="1" lang="ja-JP" altLang="en-US" smtClean="0"/>
-              <a:t>2021/6/19</a:t>
+              <a:t>2022/3/27</a:t>
             </a:fld>
             <a:endParaRPr kumimoji="1" lang="ja-JP" altLang="en-US"/>
           </a:p>
@@ -2040,7 +2045,7 @@
           <a:p>
             <a:fld id="{1BDC6FBE-EBE0-4EBD-9C98-5CBFBE1BCE03}" type="datetimeFigureOut">
               <a:rPr kumimoji="1" lang="ja-JP" altLang="en-US" smtClean="0"/>
-              <a:t>2021/6/19</a:t>
+              <a:t>2022/3/27</a:t>
             </a:fld>
             <a:endParaRPr kumimoji="1" lang="ja-JP" altLang="en-US"/>
           </a:p>
@@ -2349,7 +2354,7 @@
           <a:p>
             <a:fld id="{1BDC6FBE-EBE0-4EBD-9C98-5CBFBE1BCE03}" type="datetimeFigureOut">
               <a:rPr kumimoji="1" lang="ja-JP" altLang="en-US" smtClean="0"/>
-              <a:t>2021/6/19</a:t>
+              <a:t>2022/3/27</a:t>
             </a:fld>
             <a:endParaRPr kumimoji="1" lang="ja-JP" altLang="en-US"/>
           </a:p>
@@ -2602,7 +2607,7 @@
           <a:p>
             <a:fld id="{1BDC6FBE-EBE0-4EBD-9C98-5CBFBE1BCE03}" type="datetimeFigureOut">
               <a:rPr kumimoji="1" lang="ja-JP" altLang="en-US" smtClean="0"/>
-              <a:t>2021/6/19</a:t>
+              <a:t>2022/3/27</a:t>
             </a:fld>
             <a:endParaRPr kumimoji="1" lang="ja-JP" altLang="en-US"/>
           </a:p>
@@ -2847,7 +2852,7 @@
           <a:p>
             <a:fld id="{1BDC6FBE-EBE0-4EBD-9C98-5CBFBE1BCE03}" type="datetimeFigureOut">
               <a:rPr kumimoji="1" lang="ja-JP" altLang="en-US" smtClean="0"/>
-              <a:t>2021/6/19</a:t>
+              <a:t>2022/3/27</a:t>
             </a:fld>
             <a:endParaRPr kumimoji="1" lang="ja-JP" altLang="en-US"/>
           </a:p>
@@ -3257,7 +3262,7 @@
           <p:cNvPr id="18" name="Rectangle 7">
             <a:extLst>
               <a:ext uri="{FF2B5EF4-FFF2-40B4-BE49-F238E27FC236}">
-                <a16:creationId xmlns:a16="http://schemas.microsoft.com/office/drawing/2014/main" xmlns="" id="{F5AD8509-7566-E946-9E5A-5557E62A6A29}"/>
+                <a16:creationId xmlns="" xmlns:a16="http://schemas.microsoft.com/office/drawing/2014/main" id="{F5AD8509-7566-E946-9E5A-5557E62A6A29}"/>
               </a:ext>
             </a:extLst>
           </p:cNvPr>
@@ -3330,7 +3335,7 @@
           <p:cNvPr id="27" name="Rectangle 32">
             <a:extLst>
               <a:ext uri="{FF2B5EF4-FFF2-40B4-BE49-F238E27FC236}">
-                <a16:creationId xmlns:a16="http://schemas.microsoft.com/office/drawing/2014/main" xmlns="" id="{B1844CBB-737E-C049-891C-1F2168761D96}"/>
+                <a16:creationId xmlns="" xmlns:a16="http://schemas.microsoft.com/office/drawing/2014/main" id="{B1844CBB-737E-C049-891C-1F2168761D96}"/>
               </a:ext>
             </a:extLst>
           </p:cNvPr>
@@ -3402,7 +3407,7 @@
           <p:cNvPr id="6" name="Rectangle 4">
             <a:extLst>
               <a:ext uri="{FF2B5EF4-FFF2-40B4-BE49-F238E27FC236}">
-                <a16:creationId xmlns:a16="http://schemas.microsoft.com/office/drawing/2014/main" xmlns="" id="{EBD78DDC-6CA6-8B4C-8030-D09C702BCE2A}"/>
+                <a16:creationId xmlns="" xmlns:a16="http://schemas.microsoft.com/office/drawing/2014/main" id="{EBD78DDC-6CA6-8B4C-8030-D09C702BCE2A}"/>
               </a:ext>
             </a:extLst>
           </p:cNvPr>
@@ -3504,7 +3509,7 @@
           <p:cNvPr id="7" name="Graphic 8">
             <a:extLst>
               <a:ext uri="{FF2B5EF4-FFF2-40B4-BE49-F238E27FC236}">
-                <a16:creationId xmlns:a16="http://schemas.microsoft.com/office/drawing/2014/main" xmlns="" id="{546222F9-4B37-E847-81D0-112B1B2B353A}"/>
+                <a16:creationId xmlns="" xmlns:a16="http://schemas.microsoft.com/office/drawing/2014/main" id="{546222F9-4B37-E847-81D0-112B1B2B353A}"/>
               </a:ext>
             </a:extLst>
           </p:cNvPr>
@@ -3564,7 +3569,7 @@
           <p:cNvPr id="10" name="Rectangle 3">
             <a:extLst>
               <a:ext uri="{FF2B5EF4-FFF2-40B4-BE49-F238E27FC236}">
-                <a16:creationId xmlns:a16="http://schemas.microsoft.com/office/drawing/2014/main" xmlns="" id="{AE0DCB38-C38F-3E45-91A5-BC77EA90215A}"/>
+                <a16:creationId xmlns="" xmlns:a16="http://schemas.microsoft.com/office/drawing/2014/main" id="{AE0DCB38-C38F-3E45-91A5-BC77EA90215A}"/>
               </a:ext>
             </a:extLst>
           </p:cNvPr>
@@ -3633,7 +3638,7 @@
           <p:cNvPr id="11" name="Graphic 9">
             <a:extLst>
               <a:ext uri="{FF2B5EF4-FFF2-40B4-BE49-F238E27FC236}">
-                <a16:creationId xmlns:a16="http://schemas.microsoft.com/office/drawing/2014/main" xmlns="" id="{8219DCE8-247C-1049-BE53-921770E89315}"/>
+                <a16:creationId xmlns="" xmlns:a16="http://schemas.microsoft.com/office/drawing/2014/main" id="{8219DCE8-247C-1049-BE53-921770E89315}"/>
               </a:ext>
             </a:extLst>
           </p:cNvPr>
@@ -3693,7 +3698,7 @@
           <p:cNvPr id="14" name="Rectangle 8">
             <a:extLst>
               <a:ext uri="{FF2B5EF4-FFF2-40B4-BE49-F238E27FC236}">
-                <a16:creationId xmlns:a16="http://schemas.microsoft.com/office/drawing/2014/main" xmlns="" id="{03251CF1-A0FB-FA48-A582-2429B446E843}"/>
+                <a16:creationId xmlns="" xmlns:a16="http://schemas.microsoft.com/office/drawing/2014/main" id="{03251CF1-A0FB-FA48-A582-2429B446E843}"/>
               </a:ext>
             </a:extLst>
           </p:cNvPr>
@@ -3778,7 +3783,7 @@
           <p:cNvPr id="15" name="Graphic 25">
             <a:extLst>
               <a:ext uri="{FF2B5EF4-FFF2-40B4-BE49-F238E27FC236}">
-                <a16:creationId xmlns:a16="http://schemas.microsoft.com/office/drawing/2014/main" xmlns="" id="{CE186AD3-07FF-D742-892C-DBD6C999A17A}"/>
+                <a16:creationId xmlns="" xmlns:a16="http://schemas.microsoft.com/office/drawing/2014/main" id="{CE186AD3-07FF-D742-892C-DBD6C999A17A}"/>
               </a:ext>
             </a:extLst>
           </p:cNvPr>
@@ -3838,7 +3843,7 @@
           <p:cNvPr id="16" name="Graphic 18">
             <a:extLst>
               <a:ext uri="{FF2B5EF4-FFF2-40B4-BE49-F238E27FC236}">
-                <a16:creationId xmlns:a16="http://schemas.microsoft.com/office/drawing/2014/main" xmlns="" id="{BF37C822-FC3E-9E4A-BB66-12AA7CB10A06}"/>
+                <a16:creationId xmlns="" xmlns:a16="http://schemas.microsoft.com/office/drawing/2014/main" id="{BF37C822-FC3E-9E4A-BB66-12AA7CB10A06}"/>
               </a:ext>
             </a:extLst>
           </p:cNvPr>
@@ -3898,7 +3903,7 @@
           <p:cNvPr id="17" name="Graphic 18">
             <a:extLst>
               <a:ext uri="{FF2B5EF4-FFF2-40B4-BE49-F238E27FC236}">
-                <a16:creationId xmlns:a16="http://schemas.microsoft.com/office/drawing/2014/main" xmlns="" id="{BF37C822-FC3E-9E4A-BB66-12AA7CB10A06}"/>
+                <a16:creationId xmlns="" xmlns:a16="http://schemas.microsoft.com/office/drawing/2014/main" id="{BF37C822-FC3E-9E4A-BB66-12AA7CB10A06}"/>
               </a:ext>
             </a:extLst>
           </p:cNvPr>
@@ -3958,7 +3963,7 @@
           <p:cNvPr id="19" name="Graphic 35">
             <a:extLst>
               <a:ext uri="{FF2B5EF4-FFF2-40B4-BE49-F238E27FC236}">
-                <a16:creationId xmlns:a16="http://schemas.microsoft.com/office/drawing/2014/main" xmlns="" id="{6FC3D56A-1081-9B43-9B9C-251CDE8593F4}"/>
+                <a16:creationId xmlns="" xmlns:a16="http://schemas.microsoft.com/office/drawing/2014/main" id="{6FC3D56A-1081-9B43-9B9C-251CDE8593F4}"/>
               </a:ext>
             </a:extLst>
           </p:cNvPr>
@@ -4018,7 +4023,7 @@
           <p:cNvPr id="25" name="TextBox 24">
             <a:extLst>
               <a:ext uri="{FF2B5EF4-FFF2-40B4-BE49-F238E27FC236}">
-                <a16:creationId xmlns:a16="http://schemas.microsoft.com/office/drawing/2014/main" xmlns="" id="{92360CF8-FE05-D047-8299-36B10F874185}"/>
+                <a16:creationId xmlns="" xmlns:a16="http://schemas.microsoft.com/office/drawing/2014/main" id="{92360CF8-FE05-D047-8299-36B10F874185}"/>
               </a:ext>
             </a:extLst>
           </p:cNvPr>
@@ -4197,7 +4202,7 @@
           <p:cNvPr id="26" name="TextBox 24">
             <a:extLst>
               <a:ext uri="{FF2B5EF4-FFF2-40B4-BE49-F238E27FC236}">
-                <a16:creationId xmlns:a16="http://schemas.microsoft.com/office/drawing/2014/main" xmlns="" id="{92360CF8-FE05-D047-8299-36B10F874185}"/>
+                <a16:creationId xmlns="" xmlns:a16="http://schemas.microsoft.com/office/drawing/2014/main" id="{92360CF8-FE05-D047-8299-36B10F874185}"/>
               </a:ext>
             </a:extLst>
           </p:cNvPr>
@@ -4376,7 +4381,7 @@
           <p:cNvPr id="28" name="Graphic 34">
             <a:extLst>
               <a:ext uri="{FF2B5EF4-FFF2-40B4-BE49-F238E27FC236}">
-                <a16:creationId xmlns:a16="http://schemas.microsoft.com/office/drawing/2014/main" xmlns="" id="{41905C5A-FAE4-854F-8D41-4C3BCF9EA0F6}"/>
+                <a16:creationId xmlns="" xmlns:a16="http://schemas.microsoft.com/office/drawing/2014/main" id="{41905C5A-FAE4-854F-8D41-4C3BCF9EA0F6}"/>
               </a:ext>
             </a:extLst>
           </p:cNvPr>
@@ -4436,7 +4441,7 @@
           <p:cNvPr id="29" name="Graphic 17">
             <a:extLst>
               <a:ext uri="{FF2B5EF4-FFF2-40B4-BE49-F238E27FC236}">
-                <a16:creationId xmlns:a16="http://schemas.microsoft.com/office/drawing/2014/main" xmlns="" id="{443A8EDD-16C2-6848-83A6-4582C7B74B70}"/>
+                <a16:creationId xmlns="" xmlns:a16="http://schemas.microsoft.com/office/drawing/2014/main" id="{443A8EDD-16C2-6848-83A6-4582C7B74B70}"/>
               </a:ext>
             </a:extLst>
           </p:cNvPr>
@@ -4496,7 +4501,7 @@
           <p:cNvPr id="30" name="TextBox 9">
             <a:extLst>
               <a:ext uri="{FF2B5EF4-FFF2-40B4-BE49-F238E27FC236}">
-                <a16:creationId xmlns:a16="http://schemas.microsoft.com/office/drawing/2014/main" xmlns="" id="{F9D6EE48-441C-334D-8184-61EA0808B9C5}"/>
+                <a16:creationId xmlns="" xmlns:a16="http://schemas.microsoft.com/office/drawing/2014/main" id="{F9D6EE48-441C-334D-8184-61EA0808B9C5}"/>
               </a:ext>
             </a:extLst>
           </p:cNvPr>
@@ -4678,7 +4683,7 @@
           <p:cNvPr id="31" name="TextBox 12">
             <a:extLst>
               <a:ext uri="{FF2B5EF4-FFF2-40B4-BE49-F238E27FC236}">
-                <a16:creationId xmlns:a16="http://schemas.microsoft.com/office/drawing/2014/main" xmlns="" id="{2A41A9AD-85DE-E54B-99BA-B213E09A7B7A}"/>
+                <a16:creationId xmlns="" xmlns:a16="http://schemas.microsoft.com/office/drawing/2014/main" id="{2A41A9AD-85DE-E54B-99BA-B213E09A7B7A}"/>
               </a:ext>
             </a:extLst>
           </p:cNvPr>
@@ -4860,7 +4865,7 @@
           <p:cNvPr id="32" name="Graphic 10">
             <a:extLst>
               <a:ext uri="{FF2B5EF4-FFF2-40B4-BE49-F238E27FC236}">
-                <a16:creationId xmlns:a16="http://schemas.microsoft.com/office/drawing/2014/main" xmlns="" id="{9706C417-0A05-234F-806E-00A9C81666E9}"/>
+                <a16:creationId xmlns="" xmlns:a16="http://schemas.microsoft.com/office/drawing/2014/main" id="{9706C417-0A05-234F-806E-00A9C81666E9}"/>
               </a:ext>
             </a:extLst>
           </p:cNvPr>
@@ -4920,7 +4925,7 @@
           <p:cNvPr id="33" name="TextBox 17">
             <a:extLst>
               <a:ext uri="{FF2B5EF4-FFF2-40B4-BE49-F238E27FC236}">
-                <a16:creationId xmlns:a16="http://schemas.microsoft.com/office/drawing/2014/main" xmlns="" id="{904494F6-B2AD-884E-92AE-5BF2490D7EDB}"/>
+                <a16:creationId xmlns="" xmlns:a16="http://schemas.microsoft.com/office/drawing/2014/main" id="{904494F6-B2AD-884E-92AE-5BF2490D7EDB}"/>
               </a:ext>
             </a:extLst>
           </p:cNvPr>
@@ -5081,7 +5086,7 @@
           <p:cNvPr id="34" name="Graphic 35">
             <a:extLst>
               <a:ext uri="{FF2B5EF4-FFF2-40B4-BE49-F238E27FC236}">
-                <a16:creationId xmlns:a16="http://schemas.microsoft.com/office/drawing/2014/main" xmlns="" id="{A5BA7256-6A27-CE46-BA90-6D710A383720}"/>
+                <a16:creationId xmlns="" xmlns:a16="http://schemas.microsoft.com/office/drawing/2014/main" id="{A5BA7256-6A27-CE46-BA90-6D710A383720}"/>
               </a:ext>
             </a:extLst>
           </p:cNvPr>
@@ -5141,7 +5146,7 @@
           <p:cNvPr id="35" name="TextBox 19">
             <a:extLst>
               <a:ext uri="{FF2B5EF4-FFF2-40B4-BE49-F238E27FC236}">
-                <a16:creationId xmlns:a16="http://schemas.microsoft.com/office/drawing/2014/main" xmlns="" id="{C28F50B0-3CC5-6149-A90E-790D5475BE93}"/>
+                <a16:creationId xmlns="" xmlns:a16="http://schemas.microsoft.com/office/drawing/2014/main" id="{C28F50B0-3CC5-6149-A90E-790D5475BE93}"/>
               </a:ext>
             </a:extLst>
           </p:cNvPr>
@@ -5307,7 +5312,7 @@
           <p:cNvPr id="36" name="Graphic 8">
             <a:extLst>
               <a:ext uri="{FF2B5EF4-FFF2-40B4-BE49-F238E27FC236}">
-                <a16:creationId xmlns:a16="http://schemas.microsoft.com/office/drawing/2014/main" xmlns="" id="{11AB9C77-EA26-5445-B85A-8D1CDE2A995D}"/>
+                <a16:creationId xmlns="" xmlns:a16="http://schemas.microsoft.com/office/drawing/2014/main" id="{11AB9C77-EA26-5445-B85A-8D1CDE2A995D}"/>
               </a:ext>
             </a:extLst>
           </p:cNvPr>
@@ -5367,7 +5372,7 @@
           <p:cNvPr id="37" name="Graphic 24">
             <a:extLst>
               <a:ext uri="{FF2B5EF4-FFF2-40B4-BE49-F238E27FC236}">
-                <a16:creationId xmlns:a16="http://schemas.microsoft.com/office/drawing/2014/main" xmlns="" id="{084CA126-51B9-4342-B381-198CA72FE278}"/>
+                <a16:creationId xmlns="" xmlns:a16="http://schemas.microsoft.com/office/drawing/2014/main" id="{084CA126-51B9-4342-B381-198CA72FE278}"/>
               </a:ext>
             </a:extLst>
           </p:cNvPr>
@@ -5427,7 +5432,7 @@
           <p:cNvPr id="38" name="TextBox 25">
             <a:extLst>
               <a:ext uri="{FF2B5EF4-FFF2-40B4-BE49-F238E27FC236}">
-                <a16:creationId xmlns:a16="http://schemas.microsoft.com/office/drawing/2014/main" xmlns="" id="{ECC319A7-ACB1-A443-B188-85E40AB14968}"/>
+                <a16:creationId xmlns="" xmlns:a16="http://schemas.microsoft.com/office/drawing/2014/main" id="{ECC319A7-ACB1-A443-B188-85E40AB14968}"/>
               </a:ext>
             </a:extLst>
           </p:cNvPr>
@@ -5597,7 +5602,7 @@
           <p:cNvPr id="39" name="Graphic 12">
             <a:extLst>
               <a:ext uri="{FF2B5EF4-FFF2-40B4-BE49-F238E27FC236}">
-                <a16:creationId xmlns:a16="http://schemas.microsoft.com/office/drawing/2014/main" xmlns="" id="{6126B0F3-5EE7-1D42-B391-C817DF3148CB}"/>
+                <a16:creationId xmlns="" xmlns:a16="http://schemas.microsoft.com/office/drawing/2014/main" id="{6126B0F3-5EE7-1D42-B391-C817DF3148CB}"/>
               </a:ext>
             </a:extLst>
           </p:cNvPr>
@@ -5657,7 +5662,7 @@
           <p:cNvPr id="40" name="TextBox 29">
             <a:extLst>
               <a:ext uri="{FF2B5EF4-FFF2-40B4-BE49-F238E27FC236}">
-                <a16:creationId xmlns:a16="http://schemas.microsoft.com/office/drawing/2014/main" xmlns="" id="{A0E61288-9BAF-3A4C-B4BA-A8CAADFC4D0E}"/>
+                <a16:creationId xmlns="" xmlns:a16="http://schemas.microsoft.com/office/drawing/2014/main" id="{A0E61288-9BAF-3A4C-B4BA-A8CAADFC4D0E}"/>
               </a:ext>
             </a:extLst>
           </p:cNvPr>
@@ -5827,7 +5832,7 @@
           <p:cNvPr id="41" name="Graphic 19">
             <a:extLst>
               <a:ext uri="{FF2B5EF4-FFF2-40B4-BE49-F238E27FC236}">
-                <a16:creationId xmlns:a16="http://schemas.microsoft.com/office/drawing/2014/main" xmlns="" id="{70ABF1B1-099A-1647-8323-287578B71D3E}"/>
+                <a16:creationId xmlns="" xmlns:a16="http://schemas.microsoft.com/office/drawing/2014/main" id="{70ABF1B1-099A-1647-8323-287578B71D3E}"/>
               </a:ext>
             </a:extLst>
           </p:cNvPr>
@@ -5887,7 +5892,7 @@
           <p:cNvPr id="42" name="TextBox 11">
             <a:extLst>
               <a:ext uri="{FF2B5EF4-FFF2-40B4-BE49-F238E27FC236}">
-                <a16:creationId xmlns:a16="http://schemas.microsoft.com/office/drawing/2014/main" xmlns="" id="{2D786D87-1521-184E-9326-F6C64F538050}"/>
+                <a16:creationId xmlns="" xmlns:a16="http://schemas.microsoft.com/office/drawing/2014/main" id="{2D786D87-1521-184E-9326-F6C64F538050}"/>
               </a:ext>
             </a:extLst>
           </p:cNvPr>
@@ -6069,7 +6074,7 @@
           <p:cNvPr id="43" name="TextBox 19">
             <a:extLst>
               <a:ext uri="{FF2B5EF4-FFF2-40B4-BE49-F238E27FC236}">
-                <a16:creationId xmlns:a16="http://schemas.microsoft.com/office/drawing/2014/main" xmlns="" id="{C28F50B0-3CC5-6149-A90E-790D5475BE93}"/>
+                <a16:creationId xmlns="" xmlns:a16="http://schemas.microsoft.com/office/drawing/2014/main" id="{C28F50B0-3CC5-6149-A90E-790D5475BE93}"/>
               </a:ext>
             </a:extLst>
           </p:cNvPr>
@@ -6235,7 +6240,7 @@
           <p:cNvPr id="44" name="Graphic 8">
             <a:extLst>
               <a:ext uri="{FF2B5EF4-FFF2-40B4-BE49-F238E27FC236}">
-                <a16:creationId xmlns:a16="http://schemas.microsoft.com/office/drawing/2014/main" xmlns="" id="{11AB9C77-EA26-5445-B85A-8D1CDE2A995D}"/>
+                <a16:creationId xmlns="" xmlns:a16="http://schemas.microsoft.com/office/drawing/2014/main" id="{11AB9C77-EA26-5445-B85A-8D1CDE2A995D}"/>
               </a:ext>
             </a:extLst>
           </p:cNvPr>
@@ -6295,7 +6300,7 @@
           <p:cNvPr id="45" name="Graphic 21">
             <a:extLst>
               <a:ext uri="{FF2B5EF4-FFF2-40B4-BE49-F238E27FC236}">
-                <a16:creationId xmlns:a16="http://schemas.microsoft.com/office/drawing/2014/main" xmlns="" id="{6E1A5583-0529-5D46-98E2-982352EFA6A3}"/>
+                <a16:creationId xmlns="" xmlns:a16="http://schemas.microsoft.com/office/drawing/2014/main" id="{6E1A5583-0529-5D46-98E2-982352EFA6A3}"/>
               </a:ext>
             </a:extLst>
           </p:cNvPr>
@@ -6355,7 +6360,7 @@
           <p:cNvPr id="46" name="TextBox 12">
             <a:extLst>
               <a:ext uri="{FF2B5EF4-FFF2-40B4-BE49-F238E27FC236}">
-                <a16:creationId xmlns:a16="http://schemas.microsoft.com/office/drawing/2014/main" xmlns="" id="{A801835D-3016-AF40-826C-2A3F2B89B251}"/>
+                <a16:creationId xmlns="" xmlns:a16="http://schemas.microsoft.com/office/drawing/2014/main" id="{A801835D-3016-AF40-826C-2A3F2B89B251}"/>
               </a:ext>
             </a:extLst>
           </p:cNvPr>
@@ -6537,7 +6542,7 @@
           <p:cNvPr id="47" name="Graphic 6">
             <a:extLst>
               <a:ext uri="{FF2B5EF4-FFF2-40B4-BE49-F238E27FC236}">
-                <a16:creationId xmlns:a16="http://schemas.microsoft.com/office/drawing/2014/main" xmlns="" id="{6DAD654E-E119-A544-A306-B72A8B1EEB25}"/>
+                <a16:creationId xmlns="" xmlns:a16="http://schemas.microsoft.com/office/drawing/2014/main" id="{6DAD654E-E119-A544-A306-B72A8B1EEB25}"/>
               </a:ext>
             </a:extLst>
           </p:cNvPr>
@@ -6597,7 +6602,7 @@
           <p:cNvPr id="48" name="TextBox 9">
             <a:extLst>
               <a:ext uri="{FF2B5EF4-FFF2-40B4-BE49-F238E27FC236}">
-                <a16:creationId xmlns:a16="http://schemas.microsoft.com/office/drawing/2014/main" xmlns="" id="{E887444F-3FEC-A145-98AF-5C8B08A0C59A}"/>
+                <a16:creationId xmlns="" xmlns:a16="http://schemas.microsoft.com/office/drawing/2014/main" id="{E887444F-3FEC-A145-98AF-5C8B08A0C59A}"/>
               </a:ext>
             </a:extLst>
           </p:cNvPr>
@@ -6779,7 +6784,7 @@
           <p:cNvPr id="49" name="Graphic 8">
             <a:extLst>
               <a:ext uri="{FF2B5EF4-FFF2-40B4-BE49-F238E27FC236}">
-                <a16:creationId xmlns:a16="http://schemas.microsoft.com/office/drawing/2014/main" xmlns="" id="{0D4A9B47-8231-EF4D-B9AB-A3D9E4B81350}"/>
+                <a16:creationId xmlns="" xmlns:a16="http://schemas.microsoft.com/office/drawing/2014/main" id="{0D4A9B47-8231-EF4D-B9AB-A3D9E4B81350}"/>
               </a:ext>
             </a:extLst>
           </p:cNvPr>
@@ -6839,7 +6844,7 @@
           <p:cNvPr id="50" name="TextBox 9">
             <a:extLst>
               <a:ext uri="{FF2B5EF4-FFF2-40B4-BE49-F238E27FC236}">
-                <a16:creationId xmlns:a16="http://schemas.microsoft.com/office/drawing/2014/main" xmlns="" id="{5B6C5DC4-5A01-E14D-BEE5-909FCF8B05F2}"/>
+                <a16:creationId xmlns="" xmlns:a16="http://schemas.microsoft.com/office/drawing/2014/main" id="{5B6C5DC4-5A01-E14D-BEE5-909FCF8B05F2}"/>
               </a:ext>
             </a:extLst>
           </p:cNvPr>
@@ -7016,7 +7021,7 @@
           <p:cNvPr id="51" name="Straight Arrow Connector 7">
             <a:extLst>
               <a:ext uri="{FF2B5EF4-FFF2-40B4-BE49-F238E27FC236}">
-                <a16:creationId xmlns:a16="http://schemas.microsoft.com/office/drawing/2014/main" xmlns="" id="{BE8B935A-C79A-474F-B360-31F0544C304F}"/>
+                <a16:creationId xmlns="" xmlns:a16="http://schemas.microsoft.com/office/drawing/2014/main" id="{BE8B935A-C79A-474F-B360-31F0544C304F}"/>
               </a:ext>
             </a:extLst>
           </p:cNvPr>
@@ -7062,7 +7067,7 @@
           <p:cNvPr id="57" name="Straight Arrow Connector 7">
             <a:extLst>
               <a:ext uri="{FF2B5EF4-FFF2-40B4-BE49-F238E27FC236}">
-                <a16:creationId xmlns:a16="http://schemas.microsoft.com/office/drawing/2014/main" xmlns="" id="{BE8B935A-C79A-474F-B360-31F0544C304F}"/>
+                <a16:creationId xmlns="" xmlns:a16="http://schemas.microsoft.com/office/drawing/2014/main" id="{BE8B935A-C79A-474F-B360-31F0544C304F}"/>
               </a:ext>
             </a:extLst>
           </p:cNvPr>
@@ -7108,7 +7113,7 @@
           <p:cNvPr id="60" name="Straight Arrow Connector 7">
             <a:extLst>
               <a:ext uri="{FF2B5EF4-FFF2-40B4-BE49-F238E27FC236}">
-                <a16:creationId xmlns:a16="http://schemas.microsoft.com/office/drawing/2014/main" xmlns="" id="{BE8B935A-C79A-474F-B360-31F0544C304F}"/>
+                <a16:creationId xmlns="" xmlns:a16="http://schemas.microsoft.com/office/drawing/2014/main" id="{BE8B935A-C79A-474F-B360-31F0544C304F}"/>
               </a:ext>
             </a:extLst>
           </p:cNvPr>
@@ -7156,7 +7161,7 @@
           <p:cNvPr id="63" name="Graphic 22">
             <a:extLst>
               <a:ext uri="{FF2B5EF4-FFF2-40B4-BE49-F238E27FC236}">
-                <a16:creationId xmlns:a16="http://schemas.microsoft.com/office/drawing/2014/main" xmlns="" id="{8ABF4DC3-21DD-F148-976A-E2C78367A386}"/>
+                <a16:creationId xmlns="" xmlns:a16="http://schemas.microsoft.com/office/drawing/2014/main" id="{8ABF4DC3-21DD-F148-976A-E2C78367A386}"/>
               </a:ext>
             </a:extLst>
           </p:cNvPr>
@@ -7169,7 +7174,7 @@
           <a:blip r:embed="rId18">
             <a:extLst>
               <a:ext uri="{96DAC541-7B7A-43D3-8B79-37D633B846F1}">
-                <asvg:svgBlip xmlns:asvg="http://schemas.microsoft.com/office/drawing/2016/SVG/main" xmlns="" r:embed="rId20"/>
+                <asvg:svgBlip xmlns="" xmlns:asvg="http://schemas.microsoft.com/office/drawing/2016/SVG/main" r:embed="rId20"/>
               </a:ext>
             </a:extLst>
           </a:blip>
@@ -7214,7 +7219,7 @@
           <p:cNvPr id="64" name="Straight Arrow Connector 7">
             <a:extLst>
               <a:ext uri="{FF2B5EF4-FFF2-40B4-BE49-F238E27FC236}">
-                <a16:creationId xmlns:a16="http://schemas.microsoft.com/office/drawing/2014/main" xmlns="" id="{BE8B935A-C79A-474F-B360-31F0544C304F}"/>
+                <a16:creationId xmlns="" xmlns:a16="http://schemas.microsoft.com/office/drawing/2014/main" id="{BE8B935A-C79A-474F-B360-31F0544C304F}"/>
               </a:ext>
             </a:extLst>
           </p:cNvPr>
@@ -7262,7 +7267,7 @@
           <p:cNvPr id="69" name="Straight Arrow Connector 7">
             <a:extLst>
               <a:ext uri="{FF2B5EF4-FFF2-40B4-BE49-F238E27FC236}">
-                <a16:creationId xmlns:a16="http://schemas.microsoft.com/office/drawing/2014/main" xmlns="" id="{BE8B935A-C79A-474F-B360-31F0544C304F}"/>
+                <a16:creationId xmlns="" xmlns:a16="http://schemas.microsoft.com/office/drawing/2014/main" id="{BE8B935A-C79A-474F-B360-31F0544C304F}"/>
               </a:ext>
             </a:extLst>
           </p:cNvPr>
@@ -7310,7 +7315,7 @@
           <p:cNvPr id="73" name="Straight Arrow Connector 7">
             <a:extLst>
               <a:ext uri="{FF2B5EF4-FFF2-40B4-BE49-F238E27FC236}">
-                <a16:creationId xmlns:a16="http://schemas.microsoft.com/office/drawing/2014/main" xmlns="" id="{BE8B935A-C79A-474F-B360-31F0544C304F}"/>
+                <a16:creationId xmlns="" xmlns:a16="http://schemas.microsoft.com/office/drawing/2014/main" id="{BE8B935A-C79A-474F-B360-31F0544C304F}"/>
               </a:ext>
             </a:extLst>
           </p:cNvPr>
@@ -7358,7 +7363,7 @@
           <p:cNvPr id="77" name="Straight Arrow Connector 7">
             <a:extLst>
               <a:ext uri="{FF2B5EF4-FFF2-40B4-BE49-F238E27FC236}">
-                <a16:creationId xmlns:a16="http://schemas.microsoft.com/office/drawing/2014/main" xmlns="" id="{BE8B935A-C79A-474F-B360-31F0544C304F}"/>
+                <a16:creationId xmlns="" xmlns:a16="http://schemas.microsoft.com/office/drawing/2014/main" id="{BE8B935A-C79A-474F-B360-31F0544C304F}"/>
               </a:ext>
             </a:extLst>
           </p:cNvPr>
@@ -7406,7 +7411,7 @@
           <p:cNvPr id="81" name="TextBox 24">
             <a:extLst>
               <a:ext uri="{FF2B5EF4-FFF2-40B4-BE49-F238E27FC236}">
-                <a16:creationId xmlns:a16="http://schemas.microsoft.com/office/drawing/2014/main" xmlns="" id="{92360CF8-FE05-D047-8299-36B10F874185}"/>
+                <a16:creationId xmlns="" xmlns:a16="http://schemas.microsoft.com/office/drawing/2014/main" id="{92360CF8-FE05-D047-8299-36B10F874185}"/>
               </a:ext>
             </a:extLst>
           </p:cNvPr>
@@ -7607,7 +7612,7 @@
           <p:cNvPr id="82" name="TextBox 24">
             <a:extLst>
               <a:ext uri="{FF2B5EF4-FFF2-40B4-BE49-F238E27FC236}">
-                <a16:creationId xmlns:a16="http://schemas.microsoft.com/office/drawing/2014/main" xmlns="" id="{92360CF8-FE05-D047-8299-36B10F874185}"/>
+                <a16:creationId xmlns="" xmlns:a16="http://schemas.microsoft.com/office/drawing/2014/main" id="{92360CF8-FE05-D047-8299-36B10F874185}"/>
               </a:ext>
             </a:extLst>
           </p:cNvPr>
@@ -7826,7 +7831,7 @@
           <p:cNvPr id="84" name="Straight Arrow Connector 7">
             <a:extLst>
               <a:ext uri="{FF2B5EF4-FFF2-40B4-BE49-F238E27FC236}">
-                <a16:creationId xmlns:a16="http://schemas.microsoft.com/office/drawing/2014/main" xmlns="" id="{BE8B935A-C79A-474F-B360-31F0544C304F}"/>
+                <a16:creationId xmlns="" xmlns:a16="http://schemas.microsoft.com/office/drawing/2014/main" id="{BE8B935A-C79A-474F-B360-31F0544C304F}"/>
               </a:ext>
             </a:extLst>
           </p:cNvPr>
@@ -7873,7 +7878,7 @@
           <p:cNvPr id="87" name="Straight Arrow Connector 7">
             <a:extLst>
               <a:ext uri="{FF2B5EF4-FFF2-40B4-BE49-F238E27FC236}">
-                <a16:creationId xmlns:a16="http://schemas.microsoft.com/office/drawing/2014/main" xmlns="" id="{BE8B935A-C79A-474F-B360-31F0544C304F}"/>
+                <a16:creationId xmlns="" xmlns:a16="http://schemas.microsoft.com/office/drawing/2014/main" id="{BE8B935A-C79A-474F-B360-31F0544C304F}"/>
               </a:ext>
             </a:extLst>
           </p:cNvPr>
@@ -7920,7 +7925,7 @@
           <p:cNvPr id="91" name="Straight Arrow Connector 7">
             <a:extLst>
               <a:ext uri="{FF2B5EF4-FFF2-40B4-BE49-F238E27FC236}">
-                <a16:creationId xmlns:a16="http://schemas.microsoft.com/office/drawing/2014/main" xmlns="" id="{BE8B935A-C79A-474F-B360-31F0544C304F}"/>
+                <a16:creationId xmlns="" xmlns:a16="http://schemas.microsoft.com/office/drawing/2014/main" id="{BE8B935A-C79A-474F-B360-31F0544C304F}"/>
               </a:ext>
             </a:extLst>
           </p:cNvPr>
@@ -7968,7 +7973,7 @@
           <p:cNvPr id="92" name="Graphic 24">
             <a:extLst>
               <a:ext uri="{FF2B5EF4-FFF2-40B4-BE49-F238E27FC236}">
-                <a16:creationId xmlns:a16="http://schemas.microsoft.com/office/drawing/2014/main" xmlns="" id="{5818E8A0-C744-7E48-9CBF-844F831E8519}"/>
+                <a16:creationId xmlns="" xmlns:a16="http://schemas.microsoft.com/office/drawing/2014/main" id="{5818E8A0-C744-7E48-9CBF-844F831E8519}"/>
               </a:ext>
             </a:extLst>
           </p:cNvPr>
@@ -8028,7 +8033,7 @@
           <p:cNvPr id="93" name="TextBox 9">
             <a:extLst>
               <a:ext uri="{FF2B5EF4-FFF2-40B4-BE49-F238E27FC236}">
-                <a16:creationId xmlns:a16="http://schemas.microsoft.com/office/drawing/2014/main" xmlns="" id="{E887444F-3FEC-A145-98AF-5C8B08A0C59A}"/>
+                <a16:creationId xmlns="" xmlns:a16="http://schemas.microsoft.com/office/drawing/2014/main" id="{E887444F-3FEC-A145-98AF-5C8B08A0C59A}"/>
               </a:ext>
             </a:extLst>
           </p:cNvPr>
@@ -8226,7 +8231,7 @@
           <p:cNvPr id="94" name="Straight Arrow Connector 7">
             <a:extLst>
               <a:ext uri="{FF2B5EF4-FFF2-40B4-BE49-F238E27FC236}">
-                <a16:creationId xmlns:a16="http://schemas.microsoft.com/office/drawing/2014/main" xmlns="" id="{BE8B935A-C79A-474F-B360-31F0544C304F}"/>
+                <a16:creationId xmlns="" xmlns:a16="http://schemas.microsoft.com/office/drawing/2014/main" id="{BE8B935A-C79A-474F-B360-31F0544C304F}"/>
               </a:ext>
             </a:extLst>
           </p:cNvPr>
@@ -8273,7 +8278,7 @@
           <p:cNvPr id="97" name="TextBox 9">
             <a:extLst>
               <a:ext uri="{FF2B5EF4-FFF2-40B4-BE49-F238E27FC236}">
-                <a16:creationId xmlns:a16="http://schemas.microsoft.com/office/drawing/2014/main" xmlns="" id="{E887444F-3FEC-A145-98AF-5C8B08A0C59A}"/>
+                <a16:creationId xmlns="" xmlns:a16="http://schemas.microsoft.com/office/drawing/2014/main" id="{E887444F-3FEC-A145-98AF-5C8B08A0C59A}"/>
               </a:ext>
             </a:extLst>
           </p:cNvPr>
@@ -8455,7 +8460,7 @@
           <p:cNvPr id="99" name="TextBox 9">
             <a:extLst>
               <a:ext uri="{FF2B5EF4-FFF2-40B4-BE49-F238E27FC236}">
-                <a16:creationId xmlns:a16="http://schemas.microsoft.com/office/drawing/2014/main" xmlns="" id="{E887444F-3FEC-A145-98AF-5C8B08A0C59A}"/>
+                <a16:creationId xmlns="" xmlns:a16="http://schemas.microsoft.com/office/drawing/2014/main" id="{E887444F-3FEC-A145-98AF-5C8B08A0C59A}"/>
               </a:ext>
             </a:extLst>
           </p:cNvPr>
@@ -8621,7 +8626,7 @@
           <p:cNvPr id="103" name="TextBox 9">
             <a:extLst>
               <a:ext uri="{FF2B5EF4-FFF2-40B4-BE49-F238E27FC236}">
-                <a16:creationId xmlns:a16="http://schemas.microsoft.com/office/drawing/2014/main" xmlns="" id="{E887444F-3FEC-A145-98AF-5C8B08A0C59A}"/>
+                <a16:creationId xmlns="" xmlns:a16="http://schemas.microsoft.com/office/drawing/2014/main" id="{E887444F-3FEC-A145-98AF-5C8B08A0C59A}"/>
               </a:ext>
             </a:extLst>
           </p:cNvPr>
@@ -8925,61 +8930,12 @@
           </a:extLst>
         </p:spPr>
       </p:pic>
-      <p:cxnSp>
-        <p:nvCxnSpPr>
-          <p:cNvPr id="117" name="Straight Arrow Connector 7">
-            <a:extLst>
-              <a:ext uri="{FF2B5EF4-FFF2-40B4-BE49-F238E27FC236}">
-                <a16:creationId xmlns:a16="http://schemas.microsoft.com/office/drawing/2014/main" xmlns="" id="{BE8B935A-C79A-474F-B360-31F0544C304F}"/>
-              </a:ext>
-            </a:extLst>
-          </p:cNvPr>
-          <p:cNvCxnSpPr>
-            <a:stCxn id="42" idx="2"/>
-            <a:endCxn id="29" idx="0"/>
-          </p:cNvCxnSpPr>
-          <p:nvPr/>
-        </p:nvCxnSpPr>
-        <p:spPr bwMode="auto">
-          <a:xfrm rot="16200000" flipH="1">
-            <a:off x="8521419" y="3919588"/>
-            <a:ext cx="1799551" cy="214596"/>
-          </a:xfrm>
-          <a:prstGeom prst="bentConnector3">
-            <a:avLst>
-              <a:gd name="adj1" fmla="val 50000"/>
-            </a:avLst>
-          </a:prstGeom>
-          <a:ln w="12700">
-            <a:solidFill>
-              <a:srgbClr val="545B64"/>
-            </a:solidFill>
-            <a:prstDash val="dash"/>
-            <a:headEnd type="none" w="med" len="sm"/>
-            <a:tailEnd type="arrow" w="med" len="sm"/>
-          </a:ln>
-        </p:spPr>
-        <p:style>
-          <a:lnRef idx="1">
-            <a:schemeClr val="accent1"/>
-          </a:lnRef>
-          <a:fillRef idx="0">
-            <a:schemeClr val="accent1"/>
-          </a:fillRef>
-          <a:effectRef idx="0">
-            <a:schemeClr val="accent1"/>
-          </a:effectRef>
-          <a:fontRef idx="minor">
-            <a:schemeClr val="tx1"/>
-          </a:fontRef>
-        </p:style>
-      </p:cxnSp>
       <p:sp>
         <p:nvSpPr>
           <p:cNvPr id="120" name="TextBox 9">
             <a:extLst>
               <a:ext uri="{FF2B5EF4-FFF2-40B4-BE49-F238E27FC236}">
-                <a16:creationId xmlns:a16="http://schemas.microsoft.com/office/drawing/2014/main" xmlns="" id="{E887444F-3FEC-A145-98AF-5C8B08A0C59A}"/>
+                <a16:creationId xmlns="" xmlns:a16="http://schemas.microsoft.com/office/drawing/2014/main" id="{E887444F-3FEC-A145-98AF-5C8B08A0C59A}"/>
               </a:ext>
             </a:extLst>
           </p:cNvPr>
@@ -9109,7 +9065,7 @@
           <p:cNvPr id="122" name="Graphic 19">
             <a:extLst>
               <a:ext uri="{FF2B5EF4-FFF2-40B4-BE49-F238E27FC236}">
-                <a16:creationId xmlns:a16="http://schemas.microsoft.com/office/drawing/2014/main" xmlns="" id="{ED9F78BE-213C-3D47-A534-0B86E72111B5}"/>
+                <a16:creationId xmlns="" xmlns:a16="http://schemas.microsoft.com/office/drawing/2014/main" id="{ED9F78BE-213C-3D47-A534-0B86E72111B5}"/>
               </a:ext>
             </a:extLst>
           </p:cNvPr>
@@ -9169,7 +9125,7 @@
           <p:cNvPr id="123" name="TextBox 12">
             <a:extLst>
               <a:ext uri="{FF2B5EF4-FFF2-40B4-BE49-F238E27FC236}">
-                <a16:creationId xmlns:a16="http://schemas.microsoft.com/office/drawing/2014/main" xmlns="" id="{E6D95FBB-6754-2D45-B10F-73837D3E14EA}"/>
+                <a16:creationId xmlns="" xmlns:a16="http://schemas.microsoft.com/office/drawing/2014/main" id="{E6D95FBB-6754-2D45-B10F-73837D3E14EA}"/>
               </a:ext>
             </a:extLst>
           </p:cNvPr>
@@ -9343,7 +9299,7 @@
           <p:cNvPr id="124" name="TextBox 9">
             <a:extLst>
               <a:ext uri="{FF2B5EF4-FFF2-40B4-BE49-F238E27FC236}">
-                <a16:creationId xmlns:a16="http://schemas.microsoft.com/office/drawing/2014/main" xmlns="" id="{E887444F-3FEC-A145-98AF-5C8B08A0C59A}"/>
+                <a16:creationId xmlns="" xmlns:a16="http://schemas.microsoft.com/office/drawing/2014/main" id="{E887444F-3FEC-A145-98AF-5C8B08A0C59A}"/>
               </a:ext>
             </a:extLst>
           </p:cNvPr>
@@ -9528,7 +9484,7 @@
           <p:cNvPr id="149" name="Graphic 20">
             <a:extLst>
               <a:ext uri="{FF2B5EF4-FFF2-40B4-BE49-F238E27FC236}">
-                <a16:creationId xmlns:a16="http://schemas.microsoft.com/office/drawing/2014/main" xmlns="" id="{551ECD4A-64DB-5341-8602-528EB5991859}"/>
+                <a16:creationId xmlns="" xmlns:a16="http://schemas.microsoft.com/office/drawing/2014/main" id="{551ECD4A-64DB-5341-8602-528EB5991859}"/>
               </a:ext>
             </a:extLst>
           </p:cNvPr>
@@ -9588,7 +9544,7 @@
           <p:cNvPr id="150" name="TextBox 22">
             <a:extLst>
               <a:ext uri="{FF2B5EF4-FFF2-40B4-BE49-F238E27FC236}">
-                <a16:creationId xmlns:a16="http://schemas.microsoft.com/office/drawing/2014/main" xmlns="" id="{6F6B2AFB-79A6-2645-A53D-76566242ED01}"/>
+                <a16:creationId xmlns="" xmlns:a16="http://schemas.microsoft.com/office/drawing/2014/main" id="{6F6B2AFB-79A6-2645-A53D-76566242ED01}"/>
               </a:ext>
             </a:extLst>
           </p:cNvPr>
@@ -9754,7 +9710,7 @@
           <p:cNvPr id="154" name="Straight Arrow Connector 7">
             <a:extLst>
               <a:ext uri="{FF2B5EF4-FFF2-40B4-BE49-F238E27FC236}">
-                <a16:creationId xmlns:a16="http://schemas.microsoft.com/office/drawing/2014/main" xmlns="" id="{BE8B935A-C79A-474F-B360-31F0544C304F}"/>
+                <a16:creationId xmlns="" xmlns:a16="http://schemas.microsoft.com/office/drawing/2014/main" id="{BE8B935A-C79A-474F-B360-31F0544C304F}"/>
               </a:ext>
             </a:extLst>
           </p:cNvPr>
@@ -9800,7 +9756,7 @@
           <p:cNvPr id="163" name="TextBox 30">
             <a:extLst>
               <a:ext uri="{FF2B5EF4-FFF2-40B4-BE49-F238E27FC236}">
-                <a16:creationId xmlns:a16="http://schemas.microsoft.com/office/drawing/2014/main" xmlns="" id="{63DB0BFD-BAD9-C841-B0AD-52D75337B93F}"/>
+                <a16:creationId xmlns="" xmlns:a16="http://schemas.microsoft.com/office/drawing/2014/main" id="{63DB0BFD-BAD9-C841-B0AD-52D75337B93F}"/>
               </a:ext>
             </a:extLst>
           </p:cNvPr>
@@ -9959,7 +9915,7 @@
           <p:cNvPr id="164" name="Graphic 6">
             <a:extLst>
               <a:ext uri="{FF2B5EF4-FFF2-40B4-BE49-F238E27FC236}">
-                <a16:creationId xmlns:a16="http://schemas.microsoft.com/office/drawing/2014/main" xmlns="" id="{3E74B7FD-4146-8A41-B5E7-1F52FB5375FC}"/>
+                <a16:creationId xmlns="" xmlns:a16="http://schemas.microsoft.com/office/drawing/2014/main" id="{3E74B7FD-4146-8A41-B5E7-1F52FB5375FC}"/>
               </a:ext>
             </a:extLst>
           </p:cNvPr>
@@ -10003,7 +9959,7 @@
           <p:cNvPr id="165" name="TextBox 9">
             <a:extLst>
               <a:ext uri="{FF2B5EF4-FFF2-40B4-BE49-F238E27FC236}">
-                <a16:creationId xmlns:a16="http://schemas.microsoft.com/office/drawing/2014/main" xmlns="" id="{E887444F-3FEC-A145-98AF-5C8B08A0C59A}"/>
+                <a16:creationId xmlns="" xmlns:a16="http://schemas.microsoft.com/office/drawing/2014/main" id="{E887444F-3FEC-A145-98AF-5C8B08A0C59A}"/>
               </a:ext>
             </a:extLst>
           </p:cNvPr>
@@ -10183,7 +10139,7 @@
           <p:cNvPr id="166" name="Straight Arrow Connector 7">
             <a:extLst>
               <a:ext uri="{FF2B5EF4-FFF2-40B4-BE49-F238E27FC236}">
-                <a16:creationId xmlns:a16="http://schemas.microsoft.com/office/drawing/2014/main" xmlns="" id="{BE8B935A-C79A-474F-B360-31F0544C304F}"/>
+                <a16:creationId xmlns="" xmlns:a16="http://schemas.microsoft.com/office/drawing/2014/main" id="{BE8B935A-C79A-474F-B360-31F0544C304F}"/>
               </a:ext>
             </a:extLst>
           </p:cNvPr>
@@ -10231,7 +10187,7 @@
           <p:cNvPr id="153" name="TextBox 33">
             <a:extLst>
               <a:ext uri="{FF2B5EF4-FFF2-40B4-BE49-F238E27FC236}">
-                <a16:creationId xmlns:a16="http://schemas.microsoft.com/office/drawing/2014/main" xmlns="" id="{60070BB5-136F-FE47-8527-CA42E496593C}"/>
+                <a16:creationId xmlns="" xmlns:a16="http://schemas.microsoft.com/office/drawing/2014/main" id="{60070BB5-136F-FE47-8527-CA42E496593C}"/>
               </a:ext>
             </a:extLst>
           </p:cNvPr>
@@ -10379,7 +10335,7 @@
           <p:cNvPr id="174" name="Straight Arrow Connector 7">
             <a:extLst>
               <a:ext uri="{FF2B5EF4-FFF2-40B4-BE49-F238E27FC236}">
-                <a16:creationId xmlns:a16="http://schemas.microsoft.com/office/drawing/2014/main" xmlns="" id="{BE8B935A-C79A-474F-B360-31F0544C304F}"/>
+                <a16:creationId xmlns="" xmlns:a16="http://schemas.microsoft.com/office/drawing/2014/main" id="{BE8B935A-C79A-474F-B360-31F0544C304F}"/>
               </a:ext>
             </a:extLst>
           </p:cNvPr>
@@ -10426,7 +10382,7 @@
           <p:cNvPr id="177" name="Straight Arrow Connector 7">
             <a:extLst>
               <a:ext uri="{FF2B5EF4-FFF2-40B4-BE49-F238E27FC236}">
-                <a16:creationId xmlns:a16="http://schemas.microsoft.com/office/drawing/2014/main" xmlns="" id="{BE8B935A-C79A-474F-B360-31F0544C304F}"/>
+                <a16:creationId xmlns="" xmlns:a16="http://schemas.microsoft.com/office/drawing/2014/main" id="{BE8B935A-C79A-474F-B360-31F0544C304F}"/>
               </a:ext>
             </a:extLst>
           </p:cNvPr>
@@ -10475,7 +10431,7 @@
           <p:cNvPr id="180" name="TextBox 9">
             <a:extLst>
               <a:ext uri="{FF2B5EF4-FFF2-40B4-BE49-F238E27FC236}">
-                <a16:creationId xmlns:a16="http://schemas.microsoft.com/office/drawing/2014/main" xmlns="" id="{E887444F-3FEC-A145-98AF-5C8B08A0C59A}"/>
+                <a16:creationId xmlns="" xmlns:a16="http://schemas.microsoft.com/office/drawing/2014/main" id="{E887444F-3FEC-A145-98AF-5C8B08A0C59A}"/>
               </a:ext>
             </a:extLst>
           </p:cNvPr>
@@ -10604,7 +10560,7 @@
           <p:cNvPr id="181" name="TextBox 9">
             <a:extLst>
               <a:ext uri="{FF2B5EF4-FFF2-40B4-BE49-F238E27FC236}">
-                <a16:creationId xmlns:a16="http://schemas.microsoft.com/office/drawing/2014/main" xmlns="" id="{E887444F-3FEC-A145-98AF-5C8B08A0C59A}"/>
+                <a16:creationId xmlns="" xmlns:a16="http://schemas.microsoft.com/office/drawing/2014/main" id="{E887444F-3FEC-A145-98AF-5C8B08A0C59A}"/>
               </a:ext>
             </a:extLst>
           </p:cNvPr>
@@ -10823,7 +10779,7 @@
           <p:cNvPr id="183" name="TextBox 9">
             <a:extLst>
               <a:ext uri="{FF2B5EF4-FFF2-40B4-BE49-F238E27FC236}">
-                <a16:creationId xmlns:a16="http://schemas.microsoft.com/office/drawing/2014/main" xmlns="" id="{FB53D42F-4169-BA49-B0F6-5143676C1A2E}"/>
+                <a16:creationId xmlns="" xmlns:a16="http://schemas.microsoft.com/office/drawing/2014/main" id="{FB53D42F-4169-BA49-B0F6-5143676C1A2E}"/>
               </a:ext>
             </a:extLst>
           </p:cNvPr>
@@ -11005,7 +10961,7 @@
           <p:cNvPr id="184" name="Graphic 7">
             <a:extLst>
               <a:ext uri="{FF2B5EF4-FFF2-40B4-BE49-F238E27FC236}">
-                <a16:creationId xmlns:a16="http://schemas.microsoft.com/office/drawing/2014/main" xmlns="" id="{DC4BA52F-FDDF-8440-82B0-BA8CC624CB48}"/>
+                <a16:creationId xmlns="" xmlns:a16="http://schemas.microsoft.com/office/drawing/2014/main" id="{DC4BA52F-FDDF-8440-82B0-BA8CC624CB48}"/>
               </a:ext>
             </a:extLst>
           </p:cNvPr>
@@ -11018,7 +10974,7 @@
           <a:blip r:embed="rId29">
             <a:extLst>
               <a:ext uri="{96DAC541-7B7A-43D3-8B79-37D633B846F1}">
-                <asvg:svgBlip xmlns:asvg="http://schemas.microsoft.com/office/drawing/2016/SVG/main" xmlns="" r:embed="rId30"/>
+                <asvg:svgBlip xmlns="" xmlns:asvg="http://schemas.microsoft.com/office/drawing/2016/SVG/main" r:embed="rId30"/>
               </a:ext>
             </a:extLst>
           </a:blip>
@@ -11104,24 +11060,23 @@
           <p:cNvPr id="187" name="Straight Arrow Connector 7">
             <a:extLst>
               <a:ext uri="{FF2B5EF4-FFF2-40B4-BE49-F238E27FC236}">
-                <a16:creationId xmlns:a16="http://schemas.microsoft.com/office/drawing/2014/main" xmlns="" id="{BE8B935A-C79A-474F-B360-31F0544C304F}"/>
+                <a16:creationId xmlns="" xmlns:a16="http://schemas.microsoft.com/office/drawing/2014/main" id="{BE8B935A-C79A-474F-B360-31F0544C304F}"/>
               </a:ext>
             </a:extLst>
           </p:cNvPr>
           <p:cNvCxnSpPr>
-            <a:stCxn id="41" idx="1"/>
             <a:endCxn id="17" idx="3"/>
           </p:cNvCxnSpPr>
           <p:nvPr/>
         </p:nvCxnSpPr>
         <p:spPr bwMode="auto">
           <a:xfrm rot="10800000" flipV="1">
-            <a:off x="7660773" y="2323341"/>
-            <a:ext cx="1332797" cy="1802352"/>
+            <a:off x="7660773" y="3237241"/>
+            <a:ext cx="2840679" cy="888452"/>
           </a:xfrm>
           <a:prstGeom prst="bentConnector3">
             <a:avLst>
-              <a:gd name="adj1" fmla="val 18555"/>
+              <a:gd name="adj1" fmla="val 52610"/>
             </a:avLst>
           </a:prstGeom>
           <a:ln w="12700">
@@ -11152,25 +11107,24 @@
           <p:cNvPr id="191" name="Straight Arrow Connector 7">
             <a:extLst>
               <a:ext uri="{FF2B5EF4-FFF2-40B4-BE49-F238E27FC236}">
-                <a16:creationId xmlns:a16="http://schemas.microsoft.com/office/drawing/2014/main" xmlns="" id="{BE8B935A-C79A-474F-B360-31F0544C304F}"/>
+                <a16:creationId xmlns="" xmlns:a16="http://schemas.microsoft.com/office/drawing/2014/main" id="{BE8B935A-C79A-474F-B360-31F0544C304F}"/>
               </a:ext>
             </a:extLst>
           </p:cNvPr>
           <p:cNvCxnSpPr>
-            <a:stCxn id="41" idx="1"/>
             <a:endCxn id="26" idx="2"/>
           </p:cNvCxnSpPr>
           <p:nvPr/>
         </p:nvCxnSpPr>
         <p:spPr bwMode="auto">
           <a:xfrm rot="10800000" flipV="1">
-            <a:off x="4879229" y="2323340"/>
-            <a:ext cx="4114340" cy="2433059"/>
+            <a:off x="4879230" y="3248342"/>
+            <a:ext cx="5639337" cy="1508058"/>
           </a:xfrm>
           <a:prstGeom prst="bentConnector4">
             <a:avLst>
-              <a:gd name="adj1" fmla="val 5917"/>
-              <a:gd name="adj2" fmla="val 109396"/>
+              <a:gd name="adj1" fmla="val 27077"/>
+              <a:gd name="adj2" fmla="val 115159"/>
             </a:avLst>
           </a:prstGeom>
           <a:ln w="12700">
@@ -11201,7 +11155,7 @@
           <p:cNvPr id="196" name="TextBox 9">
             <a:extLst>
               <a:ext uri="{FF2B5EF4-FFF2-40B4-BE49-F238E27FC236}">
-                <a16:creationId xmlns:a16="http://schemas.microsoft.com/office/drawing/2014/main" xmlns="" id="{E887444F-3FEC-A145-98AF-5C8B08A0C59A}"/>
+                <a16:creationId xmlns="" xmlns:a16="http://schemas.microsoft.com/office/drawing/2014/main" id="{E887444F-3FEC-A145-98AF-5C8B08A0C59A}"/>
               </a:ext>
             </a:extLst>
           </p:cNvPr>
@@ -11212,7 +11166,7 @@
         </p:nvSpPr>
         <p:spPr bwMode="auto">
           <a:xfrm>
-            <a:off x="8275682" y="3409243"/>
+            <a:off x="8525787" y="3358052"/>
             <a:ext cx="948126" cy="461665"/>
           </a:xfrm>
           <a:prstGeom prst="rect">
@@ -11370,7 +11324,7 @@
           <p:cNvPr id="199" name="Graphic 16">
             <a:extLst>
               <a:ext uri="{FF2B5EF4-FFF2-40B4-BE49-F238E27FC236}">
-                <a16:creationId xmlns:a16="http://schemas.microsoft.com/office/drawing/2014/main" xmlns="" id="{4FFDBFBD-0B6C-134E-81A3-AA30E08D9FC6}"/>
+                <a16:creationId xmlns="" xmlns:a16="http://schemas.microsoft.com/office/drawing/2014/main" id="{4FFDBFBD-0B6C-134E-81A3-AA30E08D9FC6}"/>
               </a:ext>
             </a:extLst>
           </p:cNvPr>
@@ -11383,7 +11337,7 @@
           <a:blip r:embed="rId32">
             <a:extLst>
               <a:ext uri="{96DAC541-7B7A-43D3-8B79-37D633B846F1}">
-                <asvg:svgBlip xmlns:asvg="http://schemas.microsoft.com/office/drawing/2016/SVG/main" xmlns="" r:embed="rId33"/>
+                <asvg:svgBlip xmlns="" xmlns:asvg="http://schemas.microsoft.com/office/drawing/2016/SVG/main" r:embed="rId33"/>
               </a:ext>
             </a:extLst>
           </a:blip>
@@ -11412,7 +11366,7 @@
           <p:cNvPr id="200" name="Graphic 16">
             <a:extLst>
               <a:ext uri="{FF2B5EF4-FFF2-40B4-BE49-F238E27FC236}">
-                <a16:creationId xmlns:a16="http://schemas.microsoft.com/office/drawing/2014/main" xmlns="" id="{4FFDBFBD-0B6C-134E-81A3-AA30E08D9FC6}"/>
+                <a16:creationId xmlns="" xmlns:a16="http://schemas.microsoft.com/office/drawing/2014/main" id="{4FFDBFBD-0B6C-134E-81A3-AA30E08D9FC6}"/>
               </a:ext>
             </a:extLst>
           </p:cNvPr>
@@ -11425,7 +11379,7 @@
           <a:blip r:embed="rId32">
             <a:extLst>
               <a:ext uri="{96DAC541-7B7A-43D3-8B79-37D633B846F1}">
-                <asvg:svgBlip xmlns:asvg="http://schemas.microsoft.com/office/drawing/2016/SVG/main" xmlns="" r:embed="rId33"/>
+                <asvg:svgBlip xmlns="" xmlns:asvg="http://schemas.microsoft.com/office/drawing/2016/SVG/main" r:embed="rId33"/>
               </a:ext>
             </a:extLst>
           </a:blip>
@@ -11454,7 +11408,7 @@
           <p:cNvPr id="201" name="TextBox 33">
             <a:extLst>
               <a:ext uri="{FF2B5EF4-FFF2-40B4-BE49-F238E27FC236}">
-                <a16:creationId xmlns:a16="http://schemas.microsoft.com/office/drawing/2014/main" xmlns="" id="{60070BB5-136F-FE47-8527-CA42E496593C}"/>
+                <a16:creationId xmlns="" xmlns:a16="http://schemas.microsoft.com/office/drawing/2014/main" id="{60070BB5-136F-FE47-8527-CA42E496593C}"/>
               </a:ext>
             </a:extLst>
           </p:cNvPr>
@@ -11621,7 +11575,7 @@
           <p:cNvPr id="202" name="TextBox 33">
             <a:extLst>
               <a:ext uri="{FF2B5EF4-FFF2-40B4-BE49-F238E27FC236}">
-                <a16:creationId xmlns:a16="http://schemas.microsoft.com/office/drawing/2014/main" xmlns="" id="{60070BB5-136F-FE47-8527-CA42E496593C}"/>
+                <a16:creationId xmlns="" xmlns:a16="http://schemas.microsoft.com/office/drawing/2014/main" id="{60070BB5-136F-FE47-8527-CA42E496593C}"/>
               </a:ext>
             </a:extLst>
           </p:cNvPr>
@@ -11785,159 +11739,10 @@
       </p:sp>
       <p:sp>
         <p:nvSpPr>
-          <p:cNvPr id="116" name="TextBox 9">
-            <a:extLst>
-              <a:ext uri="{FF2B5EF4-FFF2-40B4-BE49-F238E27FC236}">
-                <a16:creationId xmlns:a16="http://schemas.microsoft.com/office/drawing/2014/main" xmlns="" id="{E887444F-3FEC-A145-98AF-5C8B08A0C59A}"/>
-              </a:ext>
-            </a:extLst>
-          </p:cNvPr>
-          <p:cNvSpPr txBox="1">
-            <a:spLocks noChangeArrowheads="1"/>
-          </p:cNvSpPr>
-          <p:nvPr/>
-        </p:nvSpPr>
-        <p:spPr bwMode="auto">
-          <a:xfrm>
-            <a:off x="9514187" y="3883786"/>
-            <a:ext cx="1442182" cy="738664"/>
-          </a:xfrm>
-          <a:prstGeom prst="rect">
-            <a:avLst/>
-          </a:prstGeom>
-          <a:noFill/>
-          <a:ln>
-            <a:noFill/>
-          </a:ln>
-          <a:extLst/>
-        </p:spPr>
-        <p:txBody>
-          <a:bodyPr wrap="square">
-            <a:spAutoFit/>
-          </a:bodyPr>
-          <a:lstStyle>
-            <a:defPPr>
-              <a:defRPr lang="ja-JP"/>
-            </a:defPPr>
-            <a:lvl1pPr algn="ctr">
-              <a:defRPr sz="1200">
-                <a:latin typeface="Arial" panose="020B0604020202020204" pitchFamily="34" charset="0"/>
-                <a:ea typeface="Amazon Ember" panose="020B0603020204020204" pitchFamily="34" charset="0"/>
-                <a:cs typeface="Arial" panose="020B0604020202020204" pitchFamily="34" charset="0"/>
-              </a:defRPr>
-            </a:lvl1pPr>
-            <a:lvl2pPr marL="742950" indent="-285750">
-              <a:defRPr>
-                <a:latin typeface="Calibri" panose="020F0502020204030204" pitchFamily="34" charset="0"/>
-              </a:defRPr>
-            </a:lvl2pPr>
-            <a:lvl3pPr marL="1143000" indent="-228600">
-              <a:defRPr>
-                <a:latin typeface="Calibri" panose="020F0502020204030204" pitchFamily="34" charset="0"/>
-              </a:defRPr>
-            </a:lvl3pPr>
-            <a:lvl4pPr marL="1600200" indent="-228600">
-              <a:defRPr>
-                <a:latin typeface="Calibri" panose="020F0502020204030204" pitchFamily="34" charset="0"/>
-              </a:defRPr>
-            </a:lvl4pPr>
-            <a:lvl5pPr marL="2057400" indent="-228600">
-              <a:defRPr>
-                <a:latin typeface="Calibri" panose="020F0502020204030204" pitchFamily="34" charset="0"/>
-              </a:defRPr>
-            </a:lvl5pPr>
-            <a:lvl6pPr marL="2514600" indent="-228600" eaLnBrk="0" fontAlgn="base" hangingPunct="0">
-              <a:spcBef>
-                <a:spcPct val="0"/>
-              </a:spcBef>
-              <a:spcAft>
-                <a:spcPct val="0"/>
-              </a:spcAft>
-              <a:defRPr>
-                <a:latin typeface="Calibri" panose="020F0502020204030204" pitchFamily="34" charset="0"/>
-              </a:defRPr>
-            </a:lvl6pPr>
-            <a:lvl7pPr marL="2971800" indent="-228600" eaLnBrk="0" fontAlgn="base" hangingPunct="0">
-              <a:spcBef>
-                <a:spcPct val="0"/>
-              </a:spcBef>
-              <a:spcAft>
-                <a:spcPct val="0"/>
-              </a:spcAft>
-              <a:defRPr>
-                <a:latin typeface="Calibri" panose="020F0502020204030204" pitchFamily="34" charset="0"/>
-              </a:defRPr>
-            </a:lvl7pPr>
-            <a:lvl8pPr marL="3429000" indent="-228600" eaLnBrk="0" fontAlgn="base" hangingPunct="0">
-              <a:spcBef>
-                <a:spcPct val="0"/>
-              </a:spcBef>
-              <a:spcAft>
-                <a:spcPct val="0"/>
-              </a:spcAft>
-              <a:defRPr>
-                <a:latin typeface="Calibri" panose="020F0502020204030204" pitchFamily="34" charset="0"/>
-              </a:defRPr>
-            </a:lvl8pPr>
-            <a:lvl9pPr marL="3886200" indent="-228600" eaLnBrk="0" fontAlgn="base" hangingPunct="0">
-              <a:spcBef>
-                <a:spcPct val="0"/>
-              </a:spcBef>
-              <a:spcAft>
-                <a:spcPct val="0"/>
-              </a:spcAft>
-              <a:defRPr>
-                <a:latin typeface="Calibri" panose="020F0502020204030204" pitchFamily="34" charset="0"/>
-              </a:defRPr>
-            </a:lvl9pPr>
-          </a:lstStyle>
-          <a:p>
-            <a:r>
-              <a:rPr lang="ja-JP" altLang="en-US" sz="1050" dirty="0" smtClean="0"/>
-              <a:t>②</a:t>
-            </a:r>
-            <a:r>
-              <a:rPr lang="en-US" altLang="ja-JP" sz="1050" dirty="0" smtClean="0"/>
-              <a:t>-5</a:t>
-            </a:r>
-          </a:p>
-          <a:p>
-            <a:r>
-              <a:rPr lang="ja-JP" altLang="en-US" sz="1050" dirty="0" smtClean="0"/>
-              <a:t>アーティファクト</a:t>
-            </a:r>
-            <a:endParaRPr lang="en-US" altLang="ja-JP" sz="1050" dirty="0" smtClean="0"/>
-          </a:p>
-          <a:p>
-            <a:r>
-              <a:rPr lang="ja-JP" altLang="en-US" sz="1050" dirty="0" smtClean="0"/>
-              <a:t>保存</a:t>
-            </a:r>
-            <a:endParaRPr lang="en-US" altLang="ja-JP" sz="1050" dirty="0" smtClean="0"/>
-          </a:p>
-          <a:p>
-            <a:r>
-              <a:rPr lang="en-US" altLang="ja-JP" sz="1050" dirty="0" smtClean="0"/>
-              <a:t>(by </a:t>
-            </a:r>
-            <a:r>
-              <a:rPr lang="en-US" altLang="ja-JP" sz="1050" dirty="0" err="1" smtClean="0"/>
-              <a:t>CodeBuild</a:t>
-            </a:r>
-            <a:r>
-              <a:rPr lang="en-US" altLang="ja-JP" sz="1050" dirty="0" smtClean="0"/>
-              <a:t>)</a:t>
-            </a:r>
-            <a:endParaRPr lang="en-US" altLang="en-US" sz="1050" dirty="0"/>
-          </a:p>
-        </p:txBody>
-      </p:sp>
-      <p:sp>
-        <p:nvSpPr>
           <p:cNvPr id="203" name="TextBox 9">
             <a:extLst>
               <a:ext uri="{FF2B5EF4-FFF2-40B4-BE49-F238E27FC236}">
-                <a16:creationId xmlns:a16="http://schemas.microsoft.com/office/drawing/2014/main" xmlns="" id="{E887444F-3FEC-A145-98AF-5C8B08A0C59A}"/>
+                <a16:creationId xmlns="" xmlns:a16="http://schemas.microsoft.com/office/drawing/2014/main" id="{E887444F-3FEC-A145-98AF-5C8B08A0C59A}"/>
               </a:ext>
             </a:extLst>
           </p:cNvPr>
@@ -12085,7 +11890,7 @@
           <p:cNvPr id="205" name="Graphic 21">
             <a:extLst>
               <a:ext uri="{FF2B5EF4-FFF2-40B4-BE49-F238E27FC236}">
-                <a16:creationId xmlns:a16="http://schemas.microsoft.com/office/drawing/2014/main" xmlns="" id="{B45903B4-7E49-3249-ACFD-E2CF246CA35A}"/>
+                <a16:creationId xmlns="" xmlns:a16="http://schemas.microsoft.com/office/drawing/2014/main" id="{B45903B4-7E49-3249-ACFD-E2CF246CA35A}"/>
               </a:ext>
             </a:extLst>
           </p:cNvPr>
@@ -12145,7 +11950,7 @@
           <p:cNvPr id="206" name="TextBox 12">
             <a:extLst>
               <a:ext uri="{FF2B5EF4-FFF2-40B4-BE49-F238E27FC236}">
-                <a16:creationId xmlns:a16="http://schemas.microsoft.com/office/drawing/2014/main" xmlns="" id="{471A2A30-254D-C545-BF6F-F947BDB89684}"/>
+                <a16:creationId xmlns="" xmlns:a16="http://schemas.microsoft.com/office/drawing/2014/main" id="{471A2A30-254D-C545-BF6F-F947BDB89684}"/>
               </a:ext>
             </a:extLst>
           </p:cNvPr>
@@ -12347,7 +12152,7 @@
           <p:cNvPr id="209" name="TextBox 9">
             <a:extLst>
               <a:ext uri="{FF2B5EF4-FFF2-40B4-BE49-F238E27FC236}">
-                <a16:creationId xmlns:a16="http://schemas.microsoft.com/office/drawing/2014/main" xmlns="" id="{E887444F-3FEC-A145-98AF-5C8B08A0C59A}"/>
+                <a16:creationId xmlns="" xmlns:a16="http://schemas.microsoft.com/office/drawing/2014/main" id="{E887444F-3FEC-A145-98AF-5C8B08A0C59A}"/>
               </a:ext>
             </a:extLst>
           </p:cNvPr>
@@ -12495,7 +12300,7 @@
           <p:cNvPr id="152" name="Graphic 16">
             <a:extLst>
               <a:ext uri="{FF2B5EF4-FFF2-40B4-BE49-F238E27FC236}">
-                <a16:creationId xmlns:a16="http://schemas.microsoft.com/office/drawing/2014/main" xmlns="" id="{4FFDBFBD-0B6C-134E-81A3-AA30E08D9FC6}"/>
+                <a16:creationId xmlns="" xmlns:a16="http://schemas.microsoft.com/office/drawing/2014/main" id="{4FFDBFBD-0B6C-134E-81A3-AA30E08D9FC6}"/>
               </a:ext>
             </a:extLst>
           </p:cNvPr>
@@ -12508,7 +12313,7 @@
           <a:blip r:embed="rId32">
             <a:extLst>
               <a:ext uri="{96DAC541-7B7A-43D3-8B79-37D633B846F1}">
-                <asvg:svgBlip xmlns:asvg="http://schemas.microsoft.com/office/drawing/2016/SVG/main" xmlns="" r:embed="rId33"/>
+                <asvg:svgBlip xmlns="" xmlns:asvg="http://schemas.microsoft.com/office/drawing/2016/SVG/main" r:embed="rId33"/>
               </a:ext>
             </a:extLst>
           </a:blip>
@@ -12532,6 +12337,325 @@
           <a:extLst/>
         </p:spPr>
       </p:pic>
+      <p:cxnSp>
+        <p:nvCxnSpPr>
+          <p:cNvPr id="117" name="Straight Arrow Connector 7">
+            <a:extLst>
+              <a:ext uri="{FF2B5EF4-FFF2-40B4-BE49-F238E27FC236}">
+                <a16:creationId xmlns="" xmlns:a16="http://schemas.microsoft.com/office/drawing/2014/main" id="{BE8B935A-C79A-474F-B360-31F0544C304F}"/>
+              </a:ext>
+            </a:extLst>
+          </p:cNvPr>
+          <p:cNvCxnSpPr>
+            <a:stCxn id="42" idx="2"/>
+            <a:endCxn id="29" idx="0"/>
+          </p:cNvCxnSpPr>
+          <p:nvPr/>
+        </p:nvCxnSpPr>
+        <p:spPr bwMode="auto">
+          <a:xfrm rot="16200000" flipH="1">
+            <a:off x="8521419" y="3919588"/>
+            <a:ext cx="1799551" cy="214596"/>
+          </a:xfrm>
+          <a:prstGeom prst="bentConnector3">
+            <a:avLst>
+              <a:gd name="adj1" fmla="val 50000"/>
+            </a:avLst>
+          </a:prstGeom>
+          <a:ln w="12700">
+            <a:solidFill>
+              <a:srgbClr val="545B64"/>
+            </a:solidFill>
+            <a:prstDash val="dash"/>
+            <a:headEnd type="none" w="med" len="sm"/>
+            <a:tailEnd type="arrow" w="med" len="sm"/>
+          </a:ln>
+        </p:spPr>
+        <p:style>
+          <a:lnRef idx="1">
+            <a:schemeClr val="accent1"/>
+          </a:lnRef>
+          <a:fillRef idx="0">
+            <a:schemeClr val="accent1"/>
+          </a:fillRef>
+          <a:effectRef idx="0">
+            <a:schemeClr val="accent1"/>
+          </a:effectRef>
+          <a:fontRef idx="minor">
+            <a:schemeClr val="tx1"/>
+          </a:fontRef>
+        </p:style>
+      </p:cxnSp>
+      <p:sp>
+        <p:nvSpPr>
+          <p:cNvPr id="104" name="TextBox 9">
+            <a:extLst>
+              <a:ext uri="{FF2B5EF4-FFF2-40B4-BE49-F238E27FC236}">
+                <a16:creationId xmlns="" xmlns:a16="http://schemas.microsoft.com/office/drawing/2014/main" id="{E887444F-3FEC-A145-98AF-5C8B08A0C59A}"/>
+              </a:ext>
+            </a:extLst>
+          </p:cNvPr>
+          <p:cNvSpPr txBox="1">
+            <a:spLocks noChangeArrowheads="1"/>
+          </p:cNvSpPr>
+          <p:nvPr/>
+        </p:nvSpPr>
+        <p:spPr bwMode="auto">
+          <a:xfrm>
+            <a:off x="10973429" y="3842936"/>
+            <a:ext cx="762127" cy="461665"/>
+          </a:xfrm>
+          <a:prstGeom prst="rect">
+            <a:avLst/>
+          </a:prstGeom>
+          <a:noFill/>
+          <a:ln>
+            <a:noFill/>
+          </a:ln>
+          <a:extLst/>
+        </p:spPr>
+        <p:txBody>
+          <a:bodyPr wrap="square">
+            <a:spAutoFit/>
+          </a:bodyPr>
+          <a:lstStyle>
+            <a:defPPr>
+              <a:defRPr lang="ja-JP"/>
+            </a:defPPr>
+            <a:lvl1pPr algn="ctr">
+              <a:defRPr sz="1200">
+                <a:latin typeface="Arial" panose="020B0604020202020204" pitchFamily="34" charset="0"/>
+                <a:ea typeface="Amazon Ember" panose="020B0603020204020204" pitchFamily="34" charset="0"/>
+                <a:cs typeface="Arial" panose="020B0604020202020204" pitchFamily="34" charset="0"/>
+              </a:defRPr>
+            </a:lvl1pPr>
+            <a:lvl2pPr marL="742950" indent="-285750">
+              <a:defRPr>
+                <a:latin typeface="Calibri" panose="020F0502020204030204" pitchFamily="34" charset="0"/>
+              </a:defRPr>
+            </a:lvl2pPr>
+            <a:lvl3pPr marL="1143000" indent="-228600">
+              <a:defRPr>
+                <a:latin typeface="Calibri" panose="020F0502020204030204" pitchFamily="34" charset="0"/>
+              </a:defRPr>
+            </a:lvl3pPr>
+            <a:lvl4pPr marL="1600200" indent="-228600">
+              <a:defRPr>
+                <a:latin typeface="Calibri" panose="020F0502020204030204" pitchFamily="34" charset="0"/>
+              </a:defRPr>
+            </a:lvl4pPr>
+            <a:lvl5pPr marL="2057400" indent="-228600">
+              <a:defRPr>
+                <a:latin typeface="Calibri" panose="020F0502020204030204" pitchFamily="34" charset="0"/>
+              </a:defRPr>
+            </a:lvl5pPr>
+            <a:lvl6pPr marL="2514600" indent="-228600" eaLnBrk="0" fontAlgn="base" hangingPunct="0">
+              <a:spcBef>
+                <a:spcPct val="0"/>
+              </a:spcBef>
+              <a:spcAft>
+                <a:spcPct val="0"/>
+              </a:spcAft>
+              <a:defRPr>
+                <a:latin typeface="Calibri" panose="020F0502020204030204" pitchFamily="34" charset="0"/>
+              </a:defRPr>
+            </a:lvl6pPr>
+            <a:lvl7pPr marL="2971800" indent="-228600" eaLnBrk="0" fontAlgn="base" hangingPunct="0">
+              <a:spcBef>
+                <a:spcPct val="0"/>
+              </a:spcBef>
+              <a:spcAft>
+                <a:spcPct val="0"/>
+              </a:spcAft>
+              <a:defRPr>
+                <a:latin typeface="Calibri" panose="020F0502020204030204" pitchFamily="34" charset="0"/>
+              </a:defRPr>
+            </a:lvl7pPr>
+            <a:lvl8pPr marL="3429000" indent="-228600" eaLnBrk="0" fontAlgn="base" hangingPunct="0">
+              <a:spcBef>
+                <a:spcPct val="0"/>
+              </a:spcBef>
+              <a:spcAft>
+                <a:spcPct val="0"/>
+              </a:spcAft>
+              <a:defRPr>
+                <a:latin typeface="Calibri" panose="020F0502020204030204" pitchFamily="34" charset="0"/>
+              </a:defRPr>
+            </a:lvl8pPr>
+            <a:lvl9pPr marL="3886200" indent="-228600" eaLnBrk="0" fontAlgn="base" hangingPunct="0">
+              <a:spcBef>
+                <a:spcPct val="0"/>
+              </a:spcBef>
+              <a:spcAft>
+                <a:spcPct val="0"/>
+              </a:spcAft>
+              <a:defRPr>
+                <a:latin typeface="Calibri" panose="020F0502020204030204" pitchFamily="34" charset="0"/>
+              </a:defRPr>
+            </a:lvl9pPr>
+          </a:lstStyle>
+          <a:p>
+            <a:r>
+              <a:rPr lang="en-US" altLang="ja-JP" sz="800" dirty="0" smtClean="0"/>
+              <a:t>※</a:t>
+            </a:r>
+            <a:r>
+              <a:rPr lang="ja-JP" altLang="en-US" sz="800" dirty="0" smtClean="0"/>
+              <a:t>ビルド時</a:t>
+            </a:r>
+            <a:endParaRPr lang="en-US" altLang="ja-JP" sz="800" dirty="0" smtClean="0"/>
+          </a:p>
+          <a:p>
+            <a:r>
+              <a:rPr lang="en-US" altLang="ja-JP" sz="800" dirty="0" err="1" smtClean="0"/>
+              <a:t>CodeBuild</a:t>
+            </a:r>
+            <a:r>
+              <a:rPr lang="ja-JP" altLang="en-US" sz="800" dirty="0" smtClean="0"/>
+              <a:t>で出力し</a:t>
+            </a:r>
+            <a:r>
+              <a:rPr lang="ja-JP" altLang="en-US" sz="800" dirty="0" smtClean="0"/>
+              <a:t>保存</a:t>
+            </a:r>
+            <a:endParaRPr lang="en-US" altLang="en-US" sz="800" dirty="0"/>
+          </a:p>
+        </p:txBody>
+      </p:sp>
+      <p:sp>
+        <p:nvSpPr>
+          <p:cNvPr id="116" name="TextBox 9">
+            <a:extLst>
+              <a:ext uri="{FF2B5EF4-FFF2-40B4-BE49-F238E27FC236}">
+                <a16:creationId xmlns="" xmlns:a16="http://schemas.microsoft.com/office/drawing/2014/main" id="{E887444F-3FEC-A145-98AF-5C8B08A0C59A}"/>
+              </a:ext>
+            </a:extLst>
+          </p:cNvPr>
+          <p:cNvSpPr txBox="1">
+            <a:spLocks noChangeArrowheads="1"/>
+          </p:cNvSpPr>
+          <p:nvPr/>
+        </p:nvSpPr>
+        <p:spPr bwMode="auto">
+          <a:xfrm>
+            <a:off x="9587323" y="3822444"/>
+            <a:ext cx="1442182" cy="577081"/>
+          </a:xfrm>
+          <a:prstGeom prst="rect">
+            <a:avLst/>
+          </a:prstGeom>
+          <a:noFill/>
+          <a:ln>
+            <a:noFill/>
+          </a:ln>
+          <a:extLst/>
+        </p:spPr>
+        <p:txBody>
+          <a:bodyPr wrap="square">
+            <a:spAutoFit/>
+          </a:bodyPr>
+          <a:lstStyle>
+            <a:defPPr>
+              <a:defRPr lang="ja-JP"/>
+            </a:defPPr>
+            <a:lvl1pPr algn="ctr">
+              <a:defRPr sz="1200">
+                <a:latin typeface="Arial" panose="020B0604020202020204" pitchFamily="34" charset="0"/>
+                <a:ea typeface="Amazon Ember" panose="020B0603020204020204" pitchFamily="34" charset="0"/>
+                <a:cs typeface="Arial" panose="020B0604020202020204" pitchFamily="34" charset="0"/>
+              </a:defRPr>
+            </a:lvl1pPr>
+            <a:lvl2pPr marL="742950" indent="-285750">
+              <a:defRPr>
+                <a:latin typeface="Calibri" panose="020F0502020204030204" pitchFamily="34" charset="0"/>
+              </a:defRPr>
+            </a:lvl2pPr>
+            <a:lvl3pPr marL="1143000" indent="-228600">
+              <a:defRPr>
+                <a:latin typeface="Calibri" panose="020F0502020204030204" pitchFamily="34" charset="0"/>
+              </a:defRPr>
+            </a:lvl3pPr>
+            <a:lvl4pPr marL="1600200" indent="-228600">
+              <a:defRPr>
+                <a:latin typeface="Calibri" panose="020F0502020204030204" pitchFamily="34" charset="0"/>
+              </a:defRPr>
+            </a:lvl4pPr>
+            <a:lvl5pPr marL="2057400" indent="-228600">
+              <a:defRPr>
+                <a:latin typeface="Calibri" panose="020F0502020204030204" pitchFamily="34" charset="0"/>
+              </a:defRPr>
+            </a:lvl5pPr>
+            <a:lvl6pPr marL="2514600" indent="-228600" eaLnBrk="0" fontAlgn="base" hangingPunct="0">
+              <a:spcBef>
+                <a:spcPct val="0"/>
+              </a:spcBef>
+              <a:spcAft>
+                <a:spcPct val="0"/>
+              </a:spcAft>
+              <a:defRPr>
+                <a:latin typeface="Calibri" panose="020F0502020204030204" pitchFamily="34" charset="0"/>
+              </a:defRPr>
+            </a:lvl6pPr>
+            <a:lvl7pPr marL="2971800" indent="-228600" eaLnBrk="0" fontAlgn="base" hangingPunct="0">
+              <a:spcBef>
+                <a:spcPct val="0"/>
+              </a:spcBef>
+              <a:spcAft>
+                <a:spcPct val="0"/>
+              </a:spcAft>
+              <a:defRPr>
+                <a:latin typeface="Calibri" panose="020F0502020204030204" pitchFamily="34" charset="0"/>
+              </a:defRPr>
+            </a:lvl7pPr>
+            <a:lvl8pPr marL="3429000" indent="-228600" eaLnBrk="0" fontAlgn="base" hangingPunct="0">
+              <a:spcBef>
+                <a:spcPct val="0"/>
+              </a:spcBef>
+              <a:spcAft>
+                <a:spcPct val="0"/>
+              </a:spcAft>
+              <a:defRPr>
+                <a:latin typeface="Calibri" panose="020F0502020204030204" pitchFamily="34" charset="0"/>
+              </a:defRPr>
+            </a:lvl8pPr>
+            <a:lvl9pPr marL="3886200" indent="-228600" eaLnBrk="0" fontAlgn="base" hangingPunct="0">
+              <a:spcBef>
+                <a:spcPct val="0"/>
+              </a:spcBef>
+              <a:spcAft>
+                <a:spcPct val="0"/>
+              </a:spcAft>
+              <a:defRPr>
+                <a:latin typeface="Calibri" panose="020F0502020204030204" pitchFamily="34" charset="0"/>
+              </a:defRPr>
+            </a:lvl9pPr>
+          </a:lstStyle>
+          <a:p>
+            <a:r>
+              <a:rPr lang="ja-JP" altLang="en-US" sz="1050" dirty="0" smtClean="0"/>
+              <a:t>②</a:t>
+            </a:r>
+            <a:r>
+              <a:rPr lang="en-US" altLang="ja-JP" sz="1050" dirty="0" smtClean="0"/>
+              <a:t>-5</a:t>
+            </a:r>
+          </a:p>
+          <a:p>
+            <a:r>
+              <a:rPr lang="ja-JP" altLang="en-US" sz="1050" dirty="0" smtClean="0"/>
+              <a:t>アーティファクト</a:t>
+            </a:r>
+            <a:endParaRPr lang="en-US" altLang="ja-JP" sz="1050" dirty="0" smtClean="0"/>
+          </a:p>
+          <a:p>
+            <a:r>
+              <a:rPr lang="ja-JP" altLang="en-US" sz="1050" dirty="0" smtClean="0"/>
+              <a:t>保存</a:t>
+            </a:r>
+            <a:endParaRPr lang="en-US" altLang="en-US" sz="1050" dirty="0"/>
+          </a:p>
+        </p:txBody>
+      </p:sp>
     </p:spTree>
     <p:extLst>
       <p:ext uri="{BB962C8B-B14F-4D97-AF65-F5344CB8AC3E}">
